--- a/learn-java/learn-java8/Java-8.pptx
+++ b/learn-java/learn-java8/Java-8.pptx
@@ -73,28 +73,29 @@
     <p:sldId id="327" r:id="rId67"/>
     <p:sldId id="328" r:id="rId68"/>
     <p:sldId id="329" r:id="rId69"/>
-    <p:sldId id="330" r:id="rId70"/>
-    <p:sldId id="331" r:id="rId71"/>
-    <p:sldId id="332" r:id="rId72"/>
-    <p:sldId id="333" r:id="rId73"/>
-    <p:sldId id="334" r:id="rId74"/>
-    <p:sldId id="335" r:id="rId75"/>
-    <p:sldId id="336" r:id="rId76"/>
-    <p:sldId id="337" r:id="rId77"/>
-    <p:sldId id="338" r:id="rId78"/>
-    <p:sldId id="339" r:id="rId79"/>
-    <p:sldId id="340" r:id="rId80"/>
-    <p:sldId id="341" r:id="rId81"/>
-    <p:sldId id="342" r:id="rId82"/>
-    <p:sldId id="343" r:id="rId83"/>
-    <p:sldId id="344" r:id="rId84"/>
-    <p:sldId id="345" r:id="rId85"/>
-    <p:sldId id="346" r:id="rId86"/>
-    <p:sldId id="347" r:id="rId87"/>
-    <p:sldId id="348" r:id="rId88"/>
-    <p:sldId id="349" r:id="rId89"/>
-    <p:sldId id="350" r:id="rId90"/>
-    <p:sldId id="351" r:id="rId91"/>
+    <p:sldId id="352" r:id="rId70"/>
+    <p:sldId id="330" r:id="rId71"/>
+    <p:sldId id="331" r:id="rId72"/>
+    <p:sldId id="332" r:id="rId73"/>
+    <p:sldId id="333" r:id="rId74"/>
+    <p:sldId id="334" r:id="rId75"/>
+    <p:sldId id="335" r:id="rId76"/>
+    <p:sldId id="336" r:id="rId77"/>
+    <p:sldId id="337" r:id="rId78"/>
+    <p:sldId id="338" r:id="rId79"/>
+    <p:sldId id="339" r:id="rId80"/>
+    <p:sldId id="340" r:id="rId81"/>
+    <p:sldId id="341" r:id="rId82"/>
+    <p:sldId id="342" r:id="rId83"/>
+    <p:sldId id="343" r:id="rId84"/>
+    <p:sldId id="344" r:id="rId85"/>
+    <p:sldId id="345" r:id="rId86"/>
+    <p:sldId id="346" r:id="rId87"/>
+    <p:sldId id="347" r:id="rId88"/>
+    <p:sldId id="348" r:id="rId89"/>
+    <p:sldId id="349" r:id="rId90"/>
+    <p:sldId id="350" r:id="rId91"/>
+    <p:sldId id="351" r:id="rId92"/>
   </p:sldIdLst>
   <p:sldSz cx="12192000" cy="6858000"/>
   <p:notesSz cx="12192000" cy="6858000"/>
@@ -351,7 +352,7 @@
           <a:p>
             <a:fld id="{1D8BD707-D9CF-40AE-B4C6-C98DA3205C09}" type="datetimeFigureOut">
               <a:rPr lang="en-US"/>
-              <a:t>1/8/2022</a:t>
+              <a:t>3/13/2022</a:t>
             </a:fld>
             <a:endParaRPr lang="en-US"/>
           </a:p>
@@ -526,7 +527,7 @@
           <a:p>
             <a:fld id="{1D8BD707-D9CF-40AE-B4C6-C98DA3205C09}" type="datetimeFigureOut">
               <a:rPr lang="en-US"/>
-              <a:t>1/8/2022</a:t>
+              <a:t>3/13/2022</a:t>
             </a:fld>
             <a:endParaRPr lang="en-US"/>
           </a:p>
@@ -740,7 +741,7 @@
           <a:p>
             <a:fld id="{1D8BD707-D9CF-40AE-B4C6-C98DA3205C09}" type="datetimeFigureOut">
               <a:rPr lang="en-US"/>
-              <a:t>1/8/2022</a:t>
+              <a:t>3/13/2022</a:t>
             </a:fld>
             <a:endParaRPr lang="en-US"/>
           </a:p>
@@ -888,7 +889,7 @@
           <a:p>
             <a:fld id="{1D8BD707-D9CF-40AE-B4C6-C98DA3205C09}" type="datetimeFigureOut">
               <a:rPr lang="en-US"/>
-              <a:t>1/8/2022</a:t>
+              <a:t>3/13/2022</a:t>
             </a:fld>
             <a:endParaRPr lang="en-US"/>
           </a:p>
@@ -1007,7 +1008,7 @@
           <a:p>
             <a:fld id="{1D8BD707-D9CF-40AE-B4C6-C98DA3205C09}" type="datetimeFigureOut">
               <a:rPr lang="en-US"/>
-              <a:t>1/8/2022</a:t>
+              <a:t>3/13/2022</a:t>
             </a:fld>
             <a:endParaRPr lang="en-US"/>
           </a:p>
@@ -1230,7 +1231,7 @@
           <a:p>
             <a:fld id="{1D8BD707-D9CF-40AE-B4C6-C98DA3205C09}" type="datetimeFigureOut">
               <a:rPr lang="en-US"/>
-              <a:t>1/8/2022</a:t>
+              <a:t>3/13/2022</a:t>
             </a:fld>
             <a:endParaRPr lang="en-US"/>
           </a:p>
@@ -10988,7 +10989,7 @@
         </p:nvGraphicFramePr>
         <p:xfrm>
           <a:off x="831850" y="1682750"/>
-          <a:ext cx="10534650" cy="4596765"/>
+          <a:ext cx="10515600" cy="4583873"/>
         </p:xfrm>
         <a:graphic>
           <a:graphicData uri="http://schemas.openxmlformats.org/drawingml/2006/table">
@@ -25830,7 +25831,7 @@
               </a:rPr>
               <a:t>groupingBy().</a:t>
             </a:r>
-            <a:endParaRPr sz="2800">
+            <a:endParaRPr sz="2800" dirty="0">
               <a:latin typeface="Trebuchet MS"/>
               <a:cs typeface="Trebuchet MS"/>
             </a:endParaRPr>
@@ -25846,7 +25847,7 @@
               <a:buFont typeface="Arial"/>
               <a:buChar char="•"/>
             </a:pPr>
-            <a:endParaRPr sz="3800">
+            <a:endParaRPr sz="3800" dirty="0">
               <a:latin typeface="Trebuchet MS"/>
               <a:cs typeface="Trebuchet MS"/>
             </a:endParaRPr>
@@ -25905,10 +25906,6 @@
               </a:rPr>
               <a:t>input.</a:t>
             </a:r>
-            <a:endParaRPr sz="2800">
-              <a:latin typeface="Trebuchet MS"/>
-              <a:cs typeface="Trebuchet MS"/>
-            </a:endParaRPr>
           </a:p>
           <a:p>
             <a:pPr>
@@ -25921,7 +25918,7 @@
               <a:buFont typeface="Arial"/>
               <a:buChar char="•"/>
             </a:pPr>
-            <a:endParaRPr sz="3700">
+            <a:endParaRPr sz="3700" dirty="0">
               <a:latin typeface="Trebuchet MS"/>
               <a:cs typeface="Trebuchet MS"/>
             </a:endParaRPr>
@@ -26007,7 +26004,7 @@
               </a:rPr>
               <a:t>Map&lt;K,V&gt;</a:t>
             </a:r>
-            <a:endParaRPr sz="2800">
+            <a:endParaRPr sz="2800" dirty="0">
               <a:latin typeface="Trebuchet MS"/>
               <a:cs typeface="Trebuchet MS"/>
             </a:endParaRPr>
@@ -26103,7 +26100,7 @@
               </a:rPr>
               <a:t>Boolean.</a:t>
             </a:r>
-            <a:endParaRPr sz="2400">
+            <a:endParaRPr sz="2400" dirty="0">
               <a:latin typeface="Trebuchet MS"/>
               <a:cs typeface="Trebuchet MS"/>
             </a:endParaRPr>
@@ -26150,7 +26147,7 @@
               </a:rPr>
               <a:t>partitioningBy()</a:t>
             </a:r>
-            <a:endParaRPr sz="2800">
+            <a:endParaRPr sz="2800" dirty="0">
               <a:latin typeface="Trebuchet MS"/>
               <a:cs typeface="Trebuchet MS"/>
             </a:endParaRPr>
@@ -26176,7 +26173,7 @@
               </a:rPr>
               <a:t>partitioningBy(predicate)</a:t>
             </a:r>
-            <a:endParaRPr sz="2400">
+            <a:endParaRPr sz="2400" dirty="0">
               <a:latin typeface="Trebuchet MS"/>
               <a:cs typeface="Trebuchet MS"/>
             </a:endParaRPr>
@@ -26237,7 +26234,7 @@
               </a:rPr>
               <a:t>of any  collector</a:t>
             </a:r>
-            <a:endParaRPr sz="2000">
+            <a:endParaRPr sz="2000" dirty="0">
               <a:latin typeface="Trebuchet MS"/>
               <a:cs typeface="Trebuchet MS"/>
             </a:endParaRPr>
@@ -26253,7 +26250,7 @@
 </file>
 
 <file path=ppt/slides/slide69.xml><?xml version="1.0" encoding="utf-8"?>
-<p:sld xmlns:a="http://schemas.openxmlformats.org/drawingml/2006/main" xmlns:r="http://schemas.openxmlformats.org/officeDocument/2006/relationships" xmlns:p="http://schemas.openxmlformats.org/presentationml/2006/main" showMasterSp="0">
+<p:sld xmlns:a="http://schemas.openxmlformats.org/drawingml/2006/main" xmlns:r="http://schemas.openxmlformats.org/officeDocument/2006/relationships" xmlns:p="http://schemas.openxmlformats.org/presentationml/2006/main">
   <p:cSld>
     <p:spTree>
       <p:nvGrpSpPr>
@@ -26281,8 +26278,8 @@
         </p:nvSpPr>
         <p:spPr>
           <a:xfrm>
-            <a:off x="1930400" y="2527300"/>
-            <a:ext cx="8321040" cy="695960"/>
+            <a:off x="876300" y="660400"/>
+            <a:ext cx="9951720" cy="689932"/>
           </a:xfrm>
           <a:prstGeom prst="rect">
             <a:avLst/>
@@ -26301,27 +26298,231 @@
               <a:spcBef>
                 <a:spcPts val="100"/>
               </a:spcBef>
-            </a:pPr>
-            <a:r>
-              <a:rPr spc="-5" dirty="0"/>
-              <a:t>Introduction to </a:t>
-            </a:r>
-            <a:r>
-              <a:rPr spc="-50" dirty="0"/>
-              <a:t>Parallel</a:t>
-            </a:r>
-            <a:r>
-              <a:rPr spc="-40" dirty="0"/>
-              <a:t> </a:t>
-            </a:r>
-            <a:r>
-              <a:rPr spc="-5" dirty="0"/>
-              <a:t>Streams</a:t>
-            </a:r>
+              <a:tabLst>
+                <a:tab pos="2459990" algn="l"/>
+              </a:tabLst>
+            </a:pPr>
+            <a:r>
+              <a:rPr lang="en-US" spc="-65" dirty="0"/>
+              <a:t>Stream Practice Problems</a:t>
+            </a:r>
+            <a:endParaRPr spc="-5" dirty="0"/>
+          </a:p>
+        </p:txBody>
+      </p:sp>
+      <p:pic>
+        <p:nvPicPr>
+          <p:cNvPr id="1026" name="Picture 2" descr="Data Model">
+            <a:extLst>
+              <a:ext uri="{FF2B5EF4-FFF2-40B4-BE49-F238E27FC236}">
+                <a16:creationId xmlns:a16="http://schemas.microsoft.com/office/drawing/2014/main" id="{1809FC0C-DB72-4AAE-895B-DDA02652E224}"/>
+              </a:ext>
+            </a:extLst>
+          </p:cNvPr>
+          <p:cNvPicPr>
+            <a:picLocks noChangeAspect="1" noChangeArrowheads="1"/>
+          </p:cNvPicPr>
+          <p:nvPr/>
+        </p:nvPicPr>
+        <p:blipFill>
+          <a:blip r:embed="rId2">
+            <a:extLst>
+              <a:ext uri="{28A0092B-C50C-407E-A947-70E740481C1C}">
+                <a14:useLocalDpi xmlns:a14="http://schemas.microsoft.com/office/drawing/2010/main" val="0"/>
+              </a:ext>
+            </a:extLst>
+          </a:blip>
+          <a:srcRect/>
+          <a:stretch>
+            <a:fillRect/>
+          </a:stretch>
+        </p:blipFill>
+        <p:spPr bwMode="auto">
+          <a:xfrm>
+            <a:off x="434426" y="3954681"/>
+            <a:ext cx="10058400" cy="2240350"/>
+          </a:xfrm>
+          <a:prstGeom prst="rect">
+            <a:avLst/>
+          </a:prstGeom>
+          <a:noFill/>
+          <a:extLst>
+            <a:ext uri="{909E8E84-426E-40DD-AFC4-6F175D3DCCD1}">
+              <a14:hiddenFill xmlns:a14="http://schemas.microsoft.com/office/drawing/2010/main">
+                <a:solidFill>
+                  <a:srgbClr val="FFFFFF"/>
+                </a:solidFill>
+              </a14:hiddenFill>
+            </a:ext>
+          </a:extLst>
+        </p:spPr>
+      </p:pic>
+      <p:sp>
+        <p:nvSpPr>
+          <p:cNvPr id="5" name="object 3">
+            <a:extLst>
+              <a:ext uri="{FF2B5EF4-FFF2-40B4-BE49-F238E27FC236}">
+                <a16:creationId xmlns:a16="http://schemas.microsoft.com/office/drawing/2014/main" id="{5F5A52A1-AE9D-47BD-809C-EE2E49F27B93}"/>
+              </a:ext>
+            </a:extLst>
+          </p:cNvPr>
+          <p:cNvSpPr txBox="1"/>
+          <p:nvPr/>
+        </p:nvSpPr>
+        <p:spPr>
+          <a:xfrm>
+            <a:off x="842053" y="1600200"/>
+            <a:ext cx="9906635" cy="2231380"/>
+          </a:xfrm>
+          <a:prstGeom prst="rect">
+            <a:avLst/>
+          </a:prstGeom>
+        </p:spPr>
+        <p:txBody>
+          <a:bodyPr vert="horz" wrap="square" lIns="0" tIns="12700" rIns="0" bIns="0" rtlCol="0">
+            <a:spAutoFit/>
+          </a:bodyPr>
+          <a:lstStyle/>
+          <a:p>
+            <a:pPr marL="469900" lvl="1">
+              <a:lnSpc>
+                <a:spcPct val="100000"/>
+              </a:lnSpc>
+              <a:spcBef>
+                <a:spcPts val="140"/>
+              </a:spcBef>
+              <a:tabLst>
+                <a:tab pos="698500" algn="l"/>
+              </a:tabLst>
+            </a:pPr>
+            <a:r>
+              <a:rPr lang="en-US" sz="2000" dirty="0">
+                <a:latin typeface="Trebuchet MS"/>
+                <a:cs typeface="Trebuchet MS"/>
+              </a:rPr>
+              <a:t>We are going to use following data structure for out stream workout.</a:t>
+            </a:r>
+          </a:p>
+          <a:p>
+            <a:pPr marL="469900" lvl="1">
+              <a:lnSpc>
+                <a:spcPct val="100000"/>
+              </a:lnSpc>
+              <a:spcBef>
+                <a:spcPts val="140"/>
+              </a:spcBef>
+              <a:tabLst>
+                <a:tab pos="698500" algn="l"/>
+              </a:tabLst>
+            </a:pPr>
+            <a:endParaRPr lang="en-US" sz="2000" dirty="0">
+              <a:latin typeface="Trebuchet MS"/>
+              <a:cs typeface="Trebuchet MS"/>
+            </a:endParaRPr>
+          </a:p>
+          <a:p>
+            <a:pPr marL="469900" lvl="1">
+              <a:lnSpc>
+                <a:spcPct val="100000"/>
+              </a:lnSpc>
+              <a:spcBef>
+                <a:spcPts val="140"/>
+              </a:spcBef>
+              <a:tabLst>
+                <a:tab pos="698500" algn="l"/>
+              </a:tabLst>
+            </a:pPr>
+            <a:r>
+              <a:rPr lang="en-US" sz="2000" dirty="0">
+                <a:latin typeface="Trebuchet MS"/>
+                <a:cs typeface="Trebuchet MS"/>
+              </a:rPr>
+              <a:t>To practice it, I have found some data and stored it in H2 DB. </a:t>
+            </a:r>
+          </a:p>
+          <a:p>
+            <a:pPr marL="469900" lvl="1">
+              <a:lnSpc>
+                <a:spcPct val="100000"/>
+              </a:lnSpc>
+              <a:spcBef>
+                <a:spcPts val="140"/>
+              </a:spcBef>
+              <a:tabLst>
+                <a:tab pos="698500" algn="l"/>
+              </a:tabLst>
+            </a:pPr>
+            <a:endParaRPr lang="en-US" sz="2000" dirty="0">
+              <a:latin typeface="Trebuchet MS"/>
+              <a:cs typeface="Trebuchet MS"/>
+            </a:endParaRPr>
+          </a:p>
+          <a:p>
+            <a:pPr marL="469900" lvl="1">
+              <a:lnSpc>
+                <a:spcPct val="100000"/>
+              </a:lnSpc>
+              <a:spcBef>
+                <a:spcPts val="140"/>
+              </a:spcBef>
+              <a:tabLst>
+                <a:tab pos="698500" algn="l"/>
+              </a:tabLst>
+            </a:pPr>
+            <a:r>
+              <a:rPr lang="en-US" sz="2000" dirty="0">
+                <a:latin typeface="Trebuchet MS"/>
+                <a:cs typeface="Trebuchet MS"/>
+              </a:rPr>
+              <a:t>Lets code some practice problems to cover all the theory that we have learnt </a:t>
+            </a:r>
+            <a:r>
+              <a:rPr lang="en-US" sz="2000">
+                <a:latin typeface="Trebuchet MS"/>
+                <a:cs typeface="Trebuchet MS"/>
+              </a:rPr>
+              <a:t>till now, as </a:t>
+            </a:r>
+            <a:r>
+              <a:rPr lang="en-US" sz="2000" dirty="0">
+                <a:latin typeface="Trebuchet MS"/>
+                <a:cs typeface="Trebuchet MS"/>
+              </a:rPr>
+              <a:t>per the following GitHub </a:t>
+            </a:r>
+            <a:r>
+              <a:rPr lang="en-US" sz="2000">
+                <a:latin typeface="Trebuchet MS"/>
+                <a:cs typeface="Trebuchet MS"/>
+              </a:rPr>
+              <a:t>link :</a:t>
+            </a:r>
+          </a:p>
+          <a:p>
+            <a:pPr marL="469900" lvl="1">
+              <a:lnSpc>
+                <a:spcPct val="100000"/>
+              </a:lnSpc>
+              <a:spcBef>
+                <a:spcPts val="140"/>
+              </a:spcBef>
+              <a:tabLst>
+                <a:tab pos="698500" algn="l"/>
+              </a:tabLst>
+            </a:pPr>
+            <a:endParaRPr sz="2000" dirty="0">
+              <a:latin typeface="Trebuchet MS"/>
+              <a:cs typeface="Trebuchet MS"/>
+            </a:endParaRPr>
           </a:p>
         </p:txBody>
       </p:sp>
     </p:spTree>
+    <p:extLst>
+      <p:ext uri="{BB962C8B-B14F-4D97-AF65-F5344CB8AC3E}">
+        <p14:creationId xmlns:p14="http://schemas.microsoft.com/office/powerpoint/2010/main" val="3446061336"/>
+      </p:ext>
+    </p:extLst>
   </p:cSld>
   <p:clrMapOvr>
     <a:masterClrMapping/>
@@ -26545,6 +26746,83 @@
         </p:nvSpPr>
         <p:spPr>
           <a:xfrm>
+            <a:off x="1930400" y="2527300"/>
+            <a:ext cx="8321040" cy="695960"/>
+          </a:xfrm>
+          <a:prstGeom prst="rect">
+            <a:avLst/>
+          </a:prstGeom>
+        </p:spPr>
+        <p:txBody>
+          <a:bodyPr vert="horz" wrap="square" lIns="0" tIns="12700" rIns="0" bIns="0" rtlCol="0">
+            <a:spAutoFit/>
+          </a:bodyPr>
+          <a:lstStyle/>
+          <a:p>
+            <a:pPr marL="12700">
+              <a:lnSpc>
+                <a:spcPct val="100000"/>
+              </a:lnSpc>
+              <a:spcBef>
+                <a:spcPts val="100"/>
+              </a:spcBef>
+            </a:pPr>
+            <a:r>
+              <a:rPr spc="-5" dirty="0"/>
+              <a:t>Introduction to </a:t>
+            </a:r>
+            <a:r>
+              <a:rPr spc="-50" dirty="0"/>
+              <a:t>Parallel</a:t>
+            </a:r>
+            <a:r>
+              <a:rPr spc="-40" dirty="0"/>
+              <a:t> </a:t>
+            </a:r>
+            <a:r>
+              <a:rPr spc="-5" dirty="0"/>
+              <a:t>Streams</a:t>
+            </a:r>
+          </a:p>
+        </p:txBody>
+      </p:sp>
+    </p:spTree>
+  </p:cSld>
+  <p:clrMapOvr>
+    <a:masterClrMapping/>
+  </p:clrMapOvr>
+</p:sld>
+</file>
+
+<file path=ppt/slides/slide71.xml><?xml version="1.0" encoding="utf-8"?>
+<p:sld xmlns:a="http://schemas.openxmlformats.org/drawingml/2006/main" xmlns:r="http://schemas.openxmlformats.org/officeDocument/2006/relationships" xmlns:p="http://schemas.openxmlformats.org/presentationml/2006/main" showMasterSp="0">
+  <p:cSld>
+    <p:spTree>
+      <p:nvGrpSpPr>
+        <p:cNvPr id="1" name=""/>
+        <p:cNvGrpSpPr/>
+        <p:nvPr/>
+      </p:nvGrpSpPr>
+      <p:grpSpPr>
+        <a:xfrm>
+          <a:off x="0" y="0"/>
+          <a:ext cx="0" cy="0"/>
+          <a:chOff x="0" y="0"/>
+          <a:chExt cx="0" cy="0"/>
+        </a:xfrm>
+      </p:grpSpPr>
+      <p:sp>
+        <p:nvSpPr>
+          <p:cNvPr id="2" name="object 2"/>
+          <p:cNvSpPr txBox="1">
+            <a:spLocks noGrp="1"/>
+          </p:cNvSpPr>
+          <p:nvPr>
+            <p:ph type="title"/>
+          </p:nvPr>
+        </p:nvSpPr>
+        <p:spPr>
+          <a:xfrm>
             <a:off x="876300" y="771525"/>
             <a:ext cx="4624705" cy="471170"/>
           </a:xfrm>
@@ -26783,7 +27061,7 @@
 </p:sld>
 </file>
 
-<file path=ppt/slides/slide71.xml><?xml version="1.0" encoding="utf-8"?>
+<file path=ppt/slides/slide72.xml><?xml version="1.0" encoding="utf-8"?>
 <p:sld xmlns:a="http://schemas.openxmlformats.org/drawingml/2006/main" xmlns:r="http://schemas.openxmlformats.org/officeDocument/2006/relationships" xmlns:p="http://schemas.openxmlformats.org/presentationml/2006/main" showMasterSp="0">
   <p:cSld>
     <p:spTree>
@@ -27091,7 +27369,7 @@
 </p:sld>
 </file>
 
-<file path=ppt/slides/slide72.xml><?xml version="1.0" encoding="utf-8"?>
+<file path=ppt/slides/slide73.xml><?xml version="1.0" encoding="utf-8"?>
 <p:sld xmlns:a="http://schemas.openxmlformats.org/drawingml/2006/main" xmlns:r="http://schemas.openxmlformats.org/officeDocument/2006/relationships" xmlns:p="http://schemas.openxmlformats.org/presentationml/2006/main" showMasterSp="0">
   <p:cSld>
     <p:spTree>
@@ -27391,7 +27669,7 @@
 </p:sld>
 </file>
 
-<file path=ppt/slides/slide73.xml><?xml version="1.0" encoding="utf-8"?>
+<file path=ppt/slides/slide74.xml><?xml version="1.0" encoding="utf-8"?>
 <p:sld xmlns:a="http://schemas.openxmlformats.org/drawingml/2006/main" xmlns:r="http://schemas.openxmlformats.org/officeDocument/2006/relationships" xmlns:p="http://schemas.openxmlformats.org/presentationml/2006/main" showMasterSp="0">
   <p:cSld>
     <p:spTree>
@@ -27445,7 +27723,7 @@
 </p:sld>
 </file>
 
-<file path=ppt/slides/slide74.xml><?xml version="1.0" encoding="utf-8"?>
+<file path=ppt/slides/slide75.xml><?xml version="1.0" encoding="utf-8"?>
 <p:sld xmlns:a="http://schemas.openxmlformats.org/drawingml/2006/main" xmlns:r="http://schemas.openxmlformats.org/officeDocument/2006/relationships" xmlns:p="http://schemas.openxmlformats.org/presentationml/2006/main" showMasterSp="0">
   <p:cSld>
     <p:spTree>
@@ -27791,7 +28069,7 @@
 </p:sld>
 </file>
 
-<file path=ppt/slides/slide75.xml><?xml version="1.0" encoding="utf-8"?>
+<file path=ppt/slides/slide76.xml><?xml version="1.0" encoding="utf-8"?>
 <p:sld xmlns:a="http://schemas.openxmlformats.org/drawingml/2006/main" xmlns:r="http://schemas.openxmlformats.org/officeDocument/2006/relationships" xmlns:p="http://schemas.openxmlformats.org/presentationml/2006/main" showMasterSp="0">
   <p:cSld>
     <p:spTree>
@@ -27873,7 +28151,7 @@
 </p:sld>
 </file>
 
-<file path=ppt/slides/slide76.xml><?xml version="1.0" encoding="utf-8"?>
+<file path=ppt/slides/slide77.xml><?xml version="1.0" encoding="utf-8"?>
 <p:sld xmlns:a="http://schemas.openxmlformats.org/drawingml/2006/main" xmlns:r="http://schemas.openxmlformats.org/officeDocument/2006/relationships" xmlns:p="http://schemas.openxmlformats.org/presentationml/2006/main" showMasterSp="0">
   <p:cSld>
     <p:spTree>
@@ -28245,7 +28523,7 @@
 </p:sld>
 </file>
 
-<file path=ppt/slides/slide77.xml><?xml version="1.0" encoding="utf-8"?>
+<file path=ppt/slides/slide78.xml><?xml version="1.0" encoding="utf-8"?>
 <p:sld xmlns:a="http://schemas.openxmlformats.org/drawingml/2006/main" xmlns:r="http://schemas.openxmlformats.org/officeDocument/2006/relationships" xmlns:p="http://schemas.openxmlformats.org/presentationml/2006/main" showMasterSp="0">
   <p:cSld>
     <p:spTree>
@@ -28918,7 +29196,7 @@
 </p:sld>
 </file>
 
-<file path=ppt/slides/slide78.xml><?xml version="1.0" encoding="utf-8"?>
+<file path=ppt/slides/slide79.xml><?xml version="1.0" encoding="utf-8"?>
 <p:sld xmlns:a="http://schemas.openxmlformats.org/drawingml/2006/main" xmlns:r="http://schemas.openxmlformats.org/officeDocument/2006/relationships" xmlns:p="http://schemas.openxmlformats.org/presentationml/2006/main" showMasterSp="0">
   <p:cSld>
     <p:spTree>
@@ -29147,254 +29425,6 @@
                 <a:cs typeface="Trebuchet MS"/>
               </a:rPr>
               <a:t>classes.</a:t>
-            </a:r>
-            <a:endParaRPr sz="2800">
-              <a:latin typeface="Trebuchet MS"/>
-              <a:cs typeface="Trebuchet MS"/>
-            </a:endParaRPr>
-          </a:p>
-        </p:txBody>
-      </p:sp>
-    </p:spTree>
-  </p:cSld>
-  <p:clrMapOvr>
-    <a:masterClrMapping/>
-  </p:clrMapOvr>
-</p:sld>
-</file>
-
-<file path=ppt/slides/slide79.xml><?xml version="1.0" encoding="utf-8"?>
-<p:sld xmlns:a="http://schemas.openxmlformats.org/drawingml/2006/main" xmlns:r="http://schemas.openxmlformats.org/officeDocument/2006/relationships" xmlns:p="http://schemas.openxmlformats.org/presentationml/2006/main" showMasterSp="0">
-  <p:cSld>
-    <p:spTree>
-      <p:nvGrpSpPr>
-        <p:cNvPr id="1" name=""/>
-        <p:cNvGrpSpPr/>
-        <p:nvPr/>
-      </p:nvGrpSpPr>
-      <p:grpSpPr>
-        <a:xfrm>
-          <a:off x="0" y="0"/>
-          <a:ext cx="0" cy="0"/>
-          <a:chOff x="0" y="0"/>
-          <a:chExt cx="0" cy="0"/>
-        </a:xfrm>
-      </p:grpSpPr>
-      <p:sp>
-        <p:nvSpPr>
-          <p:cNvPr id="2" name="object 2"/>
-          <p:cNvSpPr txBox="1">
-            <a:spLocks noGrp="1"/>
-          </p:cNvSpPr>
-          <p:nvPr>
-            <p:ph type="title"/>
-          </p:nvPr>
-        </p:nvSpPr>
-        <p:spPr>
-          <a:xfrm>
-            <a:off x="876300" y="660400"/>
-            <a:ext cx="10209530" cy="695960"/>
-          </a:xfrm>
-          <a:prstGeom prst="rect">
-            <a:avLst/>
-          </a:prstGeom>
-        </p:spPr>
-        <p:txBody>
-          <a:bodyPr vert="horz" wrap="square" lIns="0" tIns="12700" rIns="0" bIns="0" rtlCol="0">
-            <a:spAutoFit/>
-          </a:bodyPr>
-          <a:lstStyle/>
-          <a:p>
-            <a:pPr marL="12700">
-              <a:lnSpc>
-                <a:spcPct val="100000"/>
-              </a:lnSpc>
-              <a:spcBef>
-                <a:spcPts val="100"/>
-              </a:spcBef>
-            </a:pPr>
-            <a:r>
-              <a:rPr spc="-25" dirty="0"/>
-              <a:t>Abstract </a:t>
-            </a:r>
-            <a:r>
-              <a:rPr spc="-5" dirty="0"/>
-              <a:t>Classes vs Interfaces in Java</a:t>
-            </a:r>
-            <a:r>
-              <a:rPr spc="-15" dirty="0"/>
-              <a:t> </a:t>
-            </a:r>
-            <a:r>
-              <a:rPr dirty="0"/>
-              <a:t>8</a:t>
-            </a:r>
-          </a:p>
-        </p:txBody>
-      </p:sp>
-      <p:sp>
-        <p:nvSpPr>
-          <p:cNvPr id="3" name="object 3"/>
-          <p:cNvSpPr txBox="1"/>
-          <p:nvPr/>
-        </p:nvSpPr>
-        <p:spPr>
-          <a:xfrm>
-            <a:off x="876300" y="1828800"/>
-            <a:ext cx="9786620" cy="1811020"/>
-          </a:xfrm>
-          <a:prstGeom prst="rect">
-            <a:avLst/>
-          </a:prstGeom>
-        </p:spPr>
-        <p:txBody>
-          <a:bodyPr vert="horz" wrap="square" lIns="0" tIns="12700" rIns="0" bIns="0" rtlCol="0">
-            <a:spAutoFit/>
-          </a:bodyPr>
-          <a:lstStyle/>
-          <a:p>
-            <a:pPr marL="241300" indent="-228600">
-              <a:lnSpc>
-                <a:spcPct val="100000"/>
-              </a:lnSpc>
-              <a:spcBef>
-                <a:spcPts val="100"/>
-              </a:spcBef>
-              <a:buFont typeface="Arial"/>
-              <a:buChar char="•"/>
-              <a:tabLst>
-                <a:tab pos="241300" algn="l"/>
-              </a:tabLst>
-            </a:pPr>
-            <a:r>
-              <a:rPr sz="2800" spc="-5" dirty="0">
-                <a:latin typeface="Trebuchet MS"/>
-                <a:cs typeface="Trebuchet MS"/>
-              </a:rPr>
-              <a:t>Instance variables are not allowed </a:t>
-            </a:r>
-            <a:r>
-              <a:rPr sz="2800" dirty="0">
-                <a:latin typeface="Trebuchet MS"/>
-                <a:cs typeface="Trebuchet MS"/>
-              </a:rPr>
-              <a:t>in</a:t>
-            </a:r>
-            <a:r>
-              <a:rPr sz="2800" spc="-5" dirty="0">
-                <a:latin typeface="Trebuchet MS"/>
-                <a:cs typeface="Trebuchet MS"/>
-              </a:rPr>
-              <a:t> Interfaces.</a:t>
-            </a:r>
-            <a:endParaRPr sz="2800">
-              <a:latin typeface="Trebuchet MS"/>
-              <a:cs typeface="Trebuchet MS"/>
-            </a:endParaRPr>
-          </a:p>
-          <a:p>
-            <a:pPr>
-              <a:lnSpc>
-                <a:spcPct val="100000"/>
-              </a:lnSpc>
-              <a:spcBef>
-                <a:spcPts val="40"/>
-              </a:spcBef>
-              <a:buFont typeface="Arial"/>
-              <a:buChar char="•"/>
-            </a:pPr>
-            <a:endParaRPr sz="4200">
-              <a:latin typeface="Trebuchet MS"/>
-              <a:cs typeface="Trebuchet MS"/>
-            </a:endParaRPr>
-          </a:p>
-          <a:p>
-            <a:pPr marL="241300" marR="5080" indent="-228600">
-              <a:lnSpc>
-                <a:spcPts val="2900"/>
-              </a:lnSpc>
-              <a:buFont typeface="Arial"/>
-              <a:buChar char="•"/>
-              <a:tabLst>
-                <a:tab pos="241300" algn="l"/>
-              </a:tabLst>
-            </a:pPr>
-            <a:r>
-              <a:rPr sz="2800" dirty="0">
-                <a:latin typeface="Trebuchet MS"/>
-                <a:cs typeface="Trebuchet MS"/>
-              </a:rPr>
-              <a:t>A </a:t>
-            </a:r>
-            <a:r>
-              <a:rPr sz="2800" spc="-5" dirty="0">
-                <a:latin typeface="Trebuchet MS"/>
-                <a:cs typeface="Trebuchet MS"/>
-              </a:rPr>
-              <a:t>class </a:t>
-            </a:r>
-            <a:r>
-              <a:rPr sz="2800" dirty="0">
-                <a:latin typeface="Trebuchet MS"/>
-                <a:cs typeface="Trebuchet MS"/>
-              </a:rPr>
-              <a:t>can extend </a:t>
-            </a:r>
-            <a:r>
-              <a:rPr sz="2800" spc="-5" dirty="0">
-                <a:latin typeface="Trebuchet MS"/>
-                <a:cs typeface="Trebuchet MS"/>
-              </a:rPr>
-              <a:t>only one class but </a:t>
-            </a:r>
-            <a:r>
-              <a:rPr sz="2800" dirty="0">
-                <a:latin typeface="Trebuchet MS"/>
-                <a:cs typeface="Trebuchet MS"/>
-              </a:rPr>
-              <a:t>a </a:t>
-            </a:r>
-            <a:r>
-              <a:rPr sz="2800" spc="-5" dirty="0">
-                <a:latin typeface="Trebuchet MS"/>
-                <a:cs typeface="Trebuchet MS"/>
-              </a:rPr>
-              <a:t>class </a:t>
-            </a:r>
-            <a:r>
-              <a:rPr sz="2800" dirty="0">
-                <a:latin typeface="Trebuchet MS"/>
-                <a:cs typeface="Trebuchet MS"/>
-              </a:rPr>
-              <a:t>can</a:t>
-            </a:r>
-            <a:r>
-              <a:rPr sz="2800" spc="-105" dirty="0">
-                <a:latin typeface="Trebuchet MS"/>
-                <a:cs typeface="Trebuchet MS"/>
-              </a:rPr>
-              <a:t> </a:t>
-            </a:r>
-            <a:r>
-              <a:rPr sz="2800" spc="-5" dirty="0">
-                <a:latin typeface="Trebuchet MS"/>
-                <a:cs typeface="Trebuchet MS"/>
-              </a:rPr>
-              <a:t>implement  multiple</a:t>
-            </a:r>
-            <a:r>
-              <a:rPr sz="2800" spc="-10" dirty="0">
-                <a:latin typeface="Trebuchet MS"/>
-                <a:cs typeface="Trebuchet MS"/>
-              </a:rPr>
-              <a:t> </a:t>
-            </a:r>
-            <a:r>
-              <a:rPr sz="2800" spc="-5" dirty="0">
-                <a:latin typeface="Trebuchet MS"/>
-                <a:cs typeface="Trebuchet MS"/>
-              </a:rPr>
-              <a:t>interfaces.</a:t>
             </a:r>
             <a:endParaRPr sz="2800">
               <a:latin typeface="Trebuchet MS"/>
@@ -29947,6 +29977,254 @@
           </p:nvPr>
         </p:nvSpPr>
         <p:spPr>
+          <a:xfrm>
+            <a:off x="876300" y="660400"/>
+            <a:ext cx="10209530" cy="695960"/>
+          </a:xfrm>
+          <a:prstGeom prst="rect">
+            <a:avLst/>
+          </a:prstGeom>
+        </p:spPr>
+        <p:txBody>
+          <a:bodyPr vert="horz" wrap="square" lIns="0" tIns="12700" rIns="0" bIns="0" rtlCol="0">
+            <a:spAutoFit/>
+          </a:bodyPr>
+          <a:lstStyle/>
+          <a:p>
+            <a:pPr marL="12700">
+              <a:lnSpc>
+                <a:spcPct val="100000"/>
+              </a:lnSpc>
+              <a:spcBef>
+                <a:spcPts val="100"/>
+              </a:spcBef>
+            </a:pPr>
+            <a:r>
+              <a:rPr spc="-25" dirty="0"/>
+              <a:t>Abstract </a:t>
+            </a:r>
+            <a:r>
+              <a:rPr spc="-5" dirty="0"/>
+              <a:t>Classes vs Interfaces in Java</a:t>
+            </a:r>
+            <a:r>
+              <a:rPr spc="-15" dirty="0"/>
+              <a:t> </a:t>
+            </a:r>
+            <a:r>
+              <a:rPr dirty="0"/>
+              <a:t>8</a:t>
+            </a:r>
+          </a:p>
+        </p:txBody>
+      </p:sp>
+      <p:sp>
+        <p:nvSpPr>
+          <p:cNvPr id="3" name="object 3"/>
+          <p:cNvSpPr txBox="1"/>
+          <p:nvPr/>
+        </p:nvSpPr>
+        <p:spPr>
+          <a:xfrm>
+            <a:off x="876300" y="1828800"/>
+            <a:ext cx="9786620" cy="1811020"/>
+          </a:xfrm>
+          <a:prstGeom prst="rect">
+            <a:avLst/>
+          </a:prstGeom>
+        </p:spPr>
+        <p:txBody>
+          <a:bodyPr vert="horz" wrap="square" lIns="0" tIns="12700" rIns="0" bIns="0" rtlCol="0">
+            <a:spAutoFit/>
+          </a:bodyPr>
+          <a:lstStyle/>
+          <a:p>
+            <a:pPr marL="241300" indent="-228600">
+              <a:lnSpc>
+                <a:spcPct val="100000"/>
+              </a:lnSpc>
+              <a:spcBef>
+                <a:spcPts val="100"/>
+              </a:spcBef>
+              <a:buFont typeface="Arial"/>
+              <a:buChar char="•"/>
+              <a:tabLst>
+                <a:tab pos="241300" algn="l"/>
+              </a:tabLst>
+            </a:pPr>
+            <a:r>
+              <a:rPr sz="2800" spc="-5" dirty="0">
+                <a:latin typeface="Trebuchet MS"/>
+                <a:cs typeface="Trebuchet MS"/>
+              </a:rPr>
+              <a:t>Instance variables are not allowed </a:t>
+            </a:r>
+            <a:r>
+              <a:rPr sz="2800" dirty="0">
+                <a:latin typeface="Trebuchet MS"/>
+                <a:cs typeface="Trebuchet MS"/>
+              </a:rPr>
+              <a:t>in</a:t>
+            </a:r>
+            <a:r>
+              <a:rPr sz="2800" spc="-5" dirty="0">
+                <a:latin typeface="Trebuchet MS"/>
+                <a:cs typeface="Trebuchet MS"/>
+              </a:rPr>
+              <a:t> Interfaces.</a:t>
+            </a:r>
+            <a:endParaRPr sz="2800">
+              <a:latin typeface="Trebuchet MS"/>
+              <a:cs typeface="Trebuchet MS"/>
+            </a:endParaRPr>
+          </a:p>
+          <a:p>
+            <a:pPr>
+              <a:lnSpc>
+                <a:spcPct val="100000"/>
+              </a:lnSpc>
+              <a:spcBef>
+                <a:spcPts val="40"/>
+              </a:spcBef>
+              <a:buFont typeface="Arial"/>
+              <a:buChar char="•"/>
+            </a:pPr>
+            <a:endParaRPr sz="4200">
+              <a:latin typeface="Trebuchet MS"/>
+              <a:cs typeface="Trebuchet MS"/>
+            </a:endParaRPr>
+          </a:p>
+          <a:p>
+            <a:pPr marL="241300" marR="5080" indent="-228600">
+              <a:lnSpc>
+                <a:spcPts val="2900"/>
+              </a:lnSpc>
+              <a:buFont typeface="Arial"/>
+              <a:buChar char="•"/>
+              <a:tabLst>
+                <a:tab pos="241300" algn="l"/>
+              </a:tabLst>
+            </a:pPr>
+            <a:r>
+              <a:rPr sz="2800" dirty="0">
+                <a:latin typeface="Trebuchet MS"/>
+                <a:cs typeface="Trebuchet MS"/>
+              </a:rPr>
+              <a:t>A </a:t>
+            </a:r>
+            <a:r>
+              <a:rPr sz="2800" spc="-5" dirty="0">
+                <a:latin typeface="Trebuchet MS"/>
+                <a:cs typeface="Trebuchet MS"/>
+              </a:rPr>
+              <a:t>class </a:t>
+            </a:r>
+            <a:r>
+              <a:rPr sz="2800" dirty="0">
+                <a:latin typeface="Trebuchet MS"/>
+                <a:cs typeface="Trebuchet MS"/>
+              </a:rPr>
+              <a:t>can extend </a:t>
+            </a:r>
+            <a:r>
+              <a:rPr sz="2800" spc="-5" dirty="0">
+                <a:latin typeface="Trebuchet MS"/>
+                <a:cs typeface="Trebuchet MS"/>
+              </a:rPr>
+              <a:t>only one class but </a:t>
+            </a:r>
+            <a:r>
+              <a:rPr sz="2800" dirty="0">
+                <a:latin typeface="Trebuchet MS"/>
+                <a:cs typeface="Trebuchet MS"/>
+              </a:rPr>
+              <a:t>a </a:t>
+            </a:r>
+            <a:r>
+              <a:rPr sz="2800" spc="-5" dirty="0">
+                <a:latin typeface="Trebuchet MS"/>
+                <a:cs typeface="Trebuchet MS"/>
+              </a:rPr>
+              <a:t>class </a:t>
+            </a:r>
+            <a:r>
+              <a:rPr sz="2800" dirty="0">
+                <a:latin typeface="Trebuchet MS"/>
+                <a:cs typeface="Trebuchet MS"/>
+              </a:rPr>
+              <a:t>can</a:t>
+            </a:r>
+            <a:r>
+              <a:rPr sz="2800" spc="-105" dirty="0">
+                <a:latin typeface="Trebuchet MS"/>
+                <a:cs typeface="Trebuchet MS"/>
+              </a:rPr>
+              <a:t> </a:t>
+            </a:r>
+            <a:r>
+              <a:rPr sz="2800" spc="-5" dirty="0">
+                <a:latin typeface="Trebuchet MS"/>
+                <a:cs typeface="Trebuchet MS"/>
+              </a:rPr>
+              <a:t>implement  multiple</a:t>
+            </a:r>
+            <a:r>
+              <a:rPr sz="2800" spc="-10" dirty="0">
+                <a:latin typeface="Trebuchet MS"/>
+                <a:cs typeface="Trebuchet MS"/>
+              </a:rPr>
+              <a:t> </a:t>
+            </a:r>
+            <a:r>
+              <a:rPr sz="2800" spc="-5" dirty="0">
+                <a:latin typeface="Trebuchet MS"/>
+                <a:cs typeface="Trebuchet MS"/>
+              </a:rPr>
+              <a:t>interfaces.</a:t>
+            </a:r>
+            <a:endParaRPr sz="2800">
+              <a:latin typeface="Trebuchet MS"/>
+              <a:cs typeface="Trebuchet MS"/>
+            </a:endParaRPr>
+          </a:p>
+        </p:txBody>
+      </p:sp>
+    </p:spTree>
+  </p:cSld>
+  <p:clrMapOvr>
+    <a:masterClrMapping/>
+  </p:clrMapOvr>
+</p:sld>
+</file>
+
+<file path=ppt/slides/slide81.xml><?xml version="1.0" encoding="utf-8"?>
+<p:sld xmlns:a="http://schemas.openxmlformats.org/drawingml/2006/main" xmlns:r="http://schemas.openxmlformats.org/officeDocument/2006/relationships" xmlns:p="http://schemas.openxmlformats.org/presentationml/2006/main" showMasterSp="0">
+  <p:cSld>
+    <p:spTree>
+      <p:nvGrpSpPr>
+        <p:cNvPr id="1" name=""/>
+        <p:cNvGrpSpPr/>
+        <p:nvPr/>
+      </p:nvGrpSpPr>
+      <p:grpSpPr>
+        <a:xfrm>
+          <a:off x="0" y="0"/>
+          <a:ext cx="0" cy="0"/>
+          <a:chOff x="0" y="0"/>
+          <a:chExt cx="0" cy="0"/>
+        </a:xfrm>
+      </p:grpSpPr>
+      <p:sp>
+        <p:nvSpPr>
+          <p:cNvPr id="2" name="object 2"/>
+          <p:cNvSpPr txBox="1">
+            <a:spLocks noGrp="1"/>
+          </p:cNvSpPr>
+          <p:nvPr>
+            <p:ph type="title"/>
+          </p:nvPr>
+        </p:nvSpPr>
+        <p:spPr>
           <a:prstGeom prst="rect">
             <a:avLst/>
           </a:prstGeom>
@@ -30100,7 +30378,7 @@
 </p:sld>
 </file>
 
-<file path=ppt/slides/slide81.xml><?xml version="1.0" encoding="utf-8"?>
+<file path=ppt/slides/slide82.xml><?xml version="1.0" encoding="utf-8"?>
 <p:sld xmlns:a="http://schemas.openxmlformats.org/drawingml/2006/main" xmlns:r="http://schemas.openxmlformats.org/officeDocument/2006/relationships" xmlns:p="http://schemas.openxmlformats.org/presentationml/2006/main" showMasterSp="0">
   <p:cSld>
     <p:spTree>
@@ -30599,7 +30877,7 @@
 </p:sld>
 </file>
 
-<file path=ppt/slides/slide82.xml><?xml version="1.0" encoding="utf-8"?>
+<file path=ppt/slides/slide83.xml><?xml version="1.0" encoding="utf-8"?>
 <p:sld xmlns:a="http://schemas.openxmlformats.org/drawingml/2006/main" xmlns:r="http://schemas.openxmlformats.org/officeDocument/2006/relationships" xmlns:p="http://schemas.openxmlformats.org/presentationml/2006/main" showMasterSp="0">
   <p:cSld>
     <p:spTree>
@@ -30794,7 +31072,7 @@
 </p:sld>
 </file>
 
-<file path=ppt/slides/slide83.xml><?xml version="1.0" encoding="utf-8"?>
+<file path=ppt/slides/slide84.xml><?xml version="1.0" encoding="utf-8"?>
 <p:sld xmlns:a="http://schemas.openxmlformats.org/drawingml/2006/main" xmlns:r="http://schemas.openxmlformats.org/officeDocument/2006/relationships" xmlns:p="http://schemas.openxmlformats.org/presentationml/2006/main" showMasterSp="0">
   <p:cSld>
     <p:spTree>
@@ -31434,7 +31712,7 @@
 </p:sld>
 </file>
 
-<file path=ppt/slides/slide84.xml><?xml version="1.0" encoding="utf-8"?>
+<file path=ppt/slides/slide85.xml><?xml version="1.0" encoding="utf-8"?>
 <p:sld xmlns:a="http://schemas.openxmlformats.org/drawingml/2006/main" xmlns:r="http://schemas.openxmlformats.org/officeDocument/2006/relationships" xmlns:p="http://schemas.openxmlformats.org/presentationml/2006/main" showMasterSp="0">
   <p:cSld>
     <p:spTree>
@@ -31806,7 +32084,7 @@
 </p:sld>
 </file>
 
-<file path=ppt/slides/slide85.xml><?xml version="1.0" encoding="utf-8"?>
+<file path=ppt/slides/slide86.xml><?xml version="1.0" encoding="utf-8"?>
 <p:sld xmlns:a="http://schemas.openxmlformats.org/drawingml/2006/main" xmlns:r="http://schemas.openxmlformats.org/officeDocument/2006/relationships" xmlns:p="http://schemas.openxmlformats.org/presentationml/2006/main" showMasterSp="0">
   <p:cSld>
     <p:spTree>
@@ -32388,7 +32666,7 @@
 </p:sld>
 </file>
 
-<file path=ppt/slides/slide86.xml><?xml version="1.0" encoding="utf-8"?>
+<file path=ppt/slides/slide87.xml><?xml version="1.0" encoding="utf-8"?>
 <p:sld xmlns:a="http://schemas.openxmlformats.org/drawingml/2006/main" xmlns:r="http://schemas.openxmlformats.org/officeDocument/2006/relationships" xmlns:p="http://schemas.openxmlformats.org/presentationml/2006/main" showMasterSp="0">
   <p:cSld>
     <p:spTree>
@@ -32765,7 +33043,7 @@
 </p:sld>
 </file>
 
-<file path=ppt/slides/slide87.xml><?xml version="1.0" encoding="utf-8"?>
+<file path=ppt/slides/slide88.xml><?xml version="1.0" encoding="utf-8"?>
 <p:sld xmlns:a="http://schemas.openxmlformats.org/drawingml/2006/main" xmlns:r="http://schemas.openxmlformats.org/officeDocument/2006/relationships" xmlns:p="http://schemas.openxmlformats.org/presentationml/2006/main" showMasterSp="0">
   <p:cSld>
     <p:spTree>
@@ -33058,7 +33336,7 @@
 </p:sld>
 </file>
 
-<file path=ppt/slides/slide88.xml><?xml version="1.0" encoding="utf-8"?>
+<file path=ppt/slides/slide89.xml><?xml version="1.0" encoding="utf-8"?>
 <p:sld xmlns:a="http://schemas.openxmlformats.org/drawingml/2006/main" xmlns:r="http://schemas.openxmlformats.org/officeDocument/2006/relationships" xmlns:p="http://schemas.openxmlformats.org/presentationml/2006/main" showMasterSp="0">
   <p:cSld>
     <p:spTree>
@@ -33410,291 +33688,6 @@
                 <a:cs typeface="Trebuchet MS"/>
               </a:rPr>
               <a:t>America/Chicago</a:t>
-            </a:r>
-            <a:endParaRPr sz="2800">
-              <a:latin typeface="Trebuchet MS"/>
-              <a:cs typeface="Trebuchet MS"/>
-            </a:endParaRPr>
-          </a:p>
-        </p:txBody>
-      </p:sp>
-    </p:spTree>
-  </p:cSld>
-  <p:clrMapOvr>
-    <a:masterClrMapping/>
-  </p:clrMapOvr>
-</p:sld>
-</file>
-
-<file path=ppt/slides/slide89.xml><?xml version="1.0" encoding="utf-8"?>
-<p:sld xmlns:a="http://schemas.openxmlformats.org/drawingml/2006/main" xmlns:r="http://schemas.openxmlformats.org/officeDocument/2006/relationships" xmlns:p="http://schemas.openxmlformats.org/presentationml/2006/main" showMasterSp="0">
-  <p:cSld>
-    <p:spTree>
-      <p:nvGrpSpPr>
-        <p:cNvPr id="1" name=""/>
-        <p:cNvGrpSpPr/>
-        <p:nvPr/>
-      </p:nvGrpSpPr>
-      <p:grpSpPr>
-        <a:xfrm>
-          <a:off x="0" y="0"/>
-          <a:ext cx="0" cy="0"/>
-          <a:chOff x="0" y="0"/>
-          <a:chExt cx="0" cy="0"/>
-        </a:xfrm>
-      </p:grpSpPr>
-      <p:sp>
-        <p:nvSpPr>
-          <p:cNvPr id="2" name="object 2"/>
-          <p:cNvSpPr txBox="1">
-            <a:spLocks noGrp="1"/>
-          </p:cNvSpPr>
-          <p:nvPr>
-            <p:ph type="title"/>
-          </p:nvPr>
-        </p:nvSpPr>
-        <p:spPr>
-          <a:xfrm>
-            <a:off x="876300" y="660400"/>
-            <a:ext cx="5151755" cy="695960"/>
-          </a:xfrm>
-          <a:prstGeom prst="rect">
-            <a:avLst/>
-          </a:prstGeom>
-        </p:spPr>
-        <p:txBody>
-          <a:bodyPr vert="horz" wrap="square" lIns="0" tIns="12700" rIns="0" bIns="0" rtlCol="0">
-            <a:spAutoFit/>
-          </a:bodyPr>
-          <a:lstStyle/>
-          <a:p>
-            <a:pPr marL="12700">
-              <a:lnSpc>
-                <a:spcPct val="100000"/>
-              </a:lnSpc>
-              <a:spcBef>
-                <a:spcPts val="100"/>
-              </a:spcBef>
-            </a:pPr>
-            <a:r>
-              <a:rPr spc="-25" dirty="0"/>
-              <a:t>DateTimeFormatter</a:t>
-            </a:r>
-          </a:p>
-        </p:txBody>
-      </p:sp>
-      <p:sp>
-        <p:nvSpPr>
-          <p:cNvPr id="3" name="object 3"/>
-          <p:cNvSpPr txBox="1"/>
-          <p:nvPr/>
-        </p:nvSpPr>
-        <p:spPr>
-          <a:xfrm>
-            <a:off x="876300" y="1828800"/>
-            <a:ext cx="9304020" cy="2166620"/>
-          </a:xfrm>
-          <a:prstGeom prst="rect">
-            <a:avLst/>
-          </a:prstGeom>
-        </p:spPr>
-        <p:txBody>
-          <a:bodyPr vert="horz" wrap="square" lIns="0" tIns="12700" rIns="0" bIns="0" rtlCol="0">
-            <a:spAutoFit/>
-          </a:bodyPr>
-          <a:lstStyle/>
-          <a:p>
-            <a:pPr marL="241300" indent="-228600">
-              <a:lnSpc>
-                <a:spcPts val="3130"/>
-              </a:lnSpc>
-              <a:spcBef>
-                <a:spcPts val="100"/>
-              </a:spcBef>
-              <a:buFont typeface="Arial"/>
-              <a:buChar char="•"/>
-              <a:tabLst>
-                <a:tab pos="241300" algn="l"/>
-                <a:tab pos="3760470" algn="l"/>
-              </a:tabLst>
-            </a:pPr>
-            <a:r>
-              <a:rPr sz="2800" spc="-5" dirty="0">
-                <a:latin typeface="Trebuchet MS"/>
-                <a:cs typeface="Trebuchet MS"/>
-              </a:rPr>
-              <a:t>Introduced </a:t>
-            </a:r>
-            <a:r>
-              <a:rPr sz="2800" dirty="0">
-                <a:latin typeface="Trebuchet MS"/>
-                <a:cs typeface="Trebuchet MS"/>
-              </a:rPr>
-              <a:t>in</a:t>
-            </a:r>
-            <a:r>
-              <a:rPr sz="2800" spc="15" dirty="0">
-                <a:latin typeface="Trebuchet MS"/>
-                <a:cs typeface="Trebuchet MS"/>
-              </a:rPr>
-              <a:t> </a:t>
-            </a:r>
-            <a:r>
-              <a:rPr sz="2800" b="1" dirty="0">
-                <a:latin typeface="Trebuchet MS"/>
-                <a:cs typeface="Trebuchet MS"/>
-              </a:rPr>
-              <a:t>Java</a:t>
-            </a:r>
-            <a:r>
-              <a:rPr sz="2800" b="1" spc="5" dirty="0">
-                <a:latin typeface="Trebuchet MS"/>
-                <a:cs typeface="Trebuchet MS"/>
-              </a:rPr>
-              <a:t> </a:t>
-            </a:r>
-            <a:r>
-              <a:rPr sz="2800" b="1" dirty="0">
-                <a:latin typeface="Trebuchet MS"/>
-                <a:cs typeface="Trebuchet MS"/>
-              </a:rPr>
-              <a:t>8	</a:t>
-            </a:r>
-            <a:r>
-              <a:rPr sz="2800" spc="-5" dirty="0">
-                <a:latin typeface="Trebuchet MS"/>
-                <a:cs typeface="Trebuchet MS"/>
-              </a:rPr>
-              <a:t>and part of the</a:t>
-            </a:r>
-            <a:r>
-              <a:rPr sz="2800" spc="-45" dirty="0">
-                <a:latin typeface="Trebuchet MS"/>
-                <a:cs typeface="Trebuchet MS"/>
-              </a:rPr>
-              <a:t> </a:t>
-            </a:r>
-            <a:r>
-              <a:rPr sz="2800" b="1" dirty="0">
-                <a:latin typeface="Trebuchet MS"/>
-                <a:cs typeface="Trebuchet MS"/>
-              </a:rPr>
-              <a:t>java.time.format</a:t>
-            </a:r>
-            <a:endParaRPr sz="2800">
-              <a:latin typeface="Trebuchet MS"/>
-              <a:cs typeface="Trebuchet MS"/>
-            </a:endParaRPr>
-          </a:p>
-          <a:p>
-            <a:pPr marL="241300">
-              <a:lnSpc>
-                <a:spcPts val="3130"/>
-              </a:lnSpc>
-            </a:pPr>
-            <a:r>
-              <a:rPr sz="2800" spc="-5" dirty="0">
-                <a:latin typeface="Trebuchet MS"/>
-                <a:cs typeface="Trebuchet MS"/>
-              </a:rPr>
-              <a:t>package.</a:t>
-            </a:r>
-            <a:endParaRPr sz="2800">
-              <a:latin typeface="Trebuchet MS"/>
-              <a:cs typeface="Trebuchet MS"/>
-            </a:endParaRPr>
-          </a:p>
-          <a:p>
-            <a:pPr>
-              <a:lnSpc>
-                <a:spcPct val="100000"/>
-              </a:lnSpc>
-              <a:spcBef>
-                <a:spcPts val="25"/>
-              </a:spcBef>
-            </a:pPr>
-            <a:endParaRPr sz="3800">
-              <a:latin typeface="Trebuchet MS"/>
-              <a:cs typeface="Trebuchet MS"/>
-            </a:endParaRPr>
-          </a:p>
-          <a:p>
-            <a:pPr marL="241300" indent="-228600">
-              <a:lnSpc>
-                <a:spcPts val="3080"/>
-              </a:lnSpc>
-              <a:buFont typeface="Arial"/>
-              <a:buChar char="•"/>
-              <a:tabLst>
-                <a:tab pos="241300" algn="l"/>
-              </a:tabLst>
-            </a:pPr>
-            <a:r>
-              <a:rPr sz="2800" spc="-5" dirty="0">
-                <a:latin typeface="Trebuchet MS"/>
-                <a:cs typeface="Trebuchet MS"/>
-              </a:rPr>
-              <a:t>Used to parse and format the </a:t>
-            </a:r>
-            <a:r>
-              <a:rPr sz="2800" b="1" spc="-5" dirty="0">
-                <a:latin typeface="Trebuchet MS"/>
-                <a:cs typeface="Trebuchet MS"/>
-              </a:rPr>
-              <a:t>LocalDate</a:t>
-            </a:r>
-            <a:r>
-              <a:rPr sz="2800" spc="-5" dirty="0">
-                <a:latin typeface="Trebuchet MS"/>
-                <a:cs typeface="Trebuchet MS"/>
-              </a:rPr>
-              <a:t>, </a:t>
-            </a:r>
-            <a:r>
-              <a:rPr sz="2800" b="1" spc="-15" dirty="0">
-                <a:latin typeface="Trebuchet MS"/>
-                <a:cs typeface="Trebuchet MS"/>
-              </a:rPr>
-              <a:t>LocalTime</a:t>
-            </a:r>
-            <a:r>
-              <a:rPr sz="2800" b="1" spc="-10" dirty="0">
-                <a:latin typeface="Trebuchet MS"/>
-                <a:cs typeface="Trebuchet MS"/>
-              </a:rPr>
-              <a:t> </a:t>
-            </a:r>
-            <a:r>
-              <a:rPr sz="2800" spc="-5" dirty="0">
-                <a:latin typeface="Trebuchet MS"/>
-                <a:cs typeface="Trebuchet MS"/>
-              </a:rPr>
-              <a:t>and</a:t>
-            </a:r>
-            <a:endParaRPr sz="2800">
-              <a:latin typeface="Trebuchet MS"/>
-              <a:cs typeface="Trebuchet MS"/>
-            </a:endParaRPr>
-          </a:p>
-          <a:p>
-            <a:pPr marL="241300">
-              <a:lnSpc>
-                <a:spcPts val="3080"/>
-              </a:lnSpc>
-            </a:pPr>
-            <a:r>
-              <a:rPr sz="2800" b="1" spc="-15" dirty="0">
-                <a:latin typeface="Trebuchet MS"/>
-                <a:cs typeface="Trebuchet MS"/>
-              </a:rPr>
-              <a:t>LocalDateTime</a:t>
-            </a:r>
-            <a:r>
-              <a:rPr sz="2800" spc="-15" dirty="0">
-                <a:latin typeface="Trebuchet MS"/>
-                <a:cs typeface="Trebuchet MS"/>
-              </a:rPr>
-              <a:t>.</a:t>
             </a:r>
             <a:endParaRPr sz="2800">
               <a:latin typeface="Trebuchet MS"/>
@@ -34620,6 +34613,291 @@
         <p:spPr>
           <a:xfrm>
             <a:off x="876300" y="660400"/>
+            <a:ext cx="5151755" cy="695960"/>
+          </a:xfrm>
+          <a:prstGeom prst="rect">
+            <a:avLst/>
+          </a:prstGeom>
+        </p:spPr>
+        <p:txBody>
+          <a:bodyPr vert="horz" wrap="square" lIns="0" tIns="12700" rIns="0" bIns="0" rtlCol="0">
+            <a:spAutoFit/>
+          </a:bodyPr>
+          <a:lstStyle/>
+          <a:p>
+            <a:pPr marL="12700">
+              <a:lnSpc>
+                <a:spcPct val="100000"/>
+              </a:lnSpc>
+              <a:spcBef>
+                <a:spcPts val="100"/>
+              </a:spcBef>
+            </a:pPr>
+            <a:r>
+              <a:rPr spc="-25" dirty="0"/>
+              <a:t>DateTimeFormatter</a:t>
+            </a:r>
+          </a:p>
+        </p:txBody>
+      </p:sp>
+      <p:sp>
+        <p:nvSpPr>
+          <p:cNvPr id="3" name="object 3"/>
+          <p:cNvSpPr txBox="1"/>
+          <p:nvPr/>
+        </p:nvSpPr>
+        <p:spPr>
+          <a:xfrm>
+            <a:off x="876300" y="1828800"/>
+            <a:ext cx="9304020" cy="2166620"/>
+          </a:xfrm>
+          <a:prstGeom prst="rect">
+            <a:avLst/>
+          </a:prstGeom>
+        </p:spPr>
+        <p:txBody>
+          <a:bodyPr vert="horz" wrap="square" lIns="0" tIns="12700" rIns="0" bIns="0" rtlCol="0">
+            <a:spAutoFit/>
+          </a:bodyPr>
+          <a:lstStyle/>
+          <a:p>
+            <a:pPr marL="241300" indent="-228600">
+              <a:lnSpc>
+                <a:spcPts val="3130"/>
+              </a:lnSpc>
+              <a:spcBef>
+                <a:spcPts val="100"/>
+              </a:spcBef>
+              <a:buFont typeface="Arial"/>
+              <a:buChar char="•"/>
+              <a:tabLst>
+                <a:tab pos="241300" algn="l"/>
+                <a:tab pos="3760470" algn="l"/>
+              </a:tabLst>
+            </a:pPr>
+            <a:r>
+              <a:rPr sz="2800" spc="-5" dirty="0">
+                <a:latin typeface="Trebuchet MS"/>
+                <a:cs typeface="Trebuchet MS"/>
+              </a:rPr>
+              <a:t>Introduced </a:t>
+            </a:r>
+            <a:r>
+              <a:rPr sz="2800" dirty="0">
+                <a:latin typeface="Trebuchet MS"/>
+                <a:cs typeface="Trebuchet MS"/>
+              </a:rPr>
+              <a:t>in</a:t>
+            </a:r>
+            <a:r>
+              <a:rPr sz="2800" spc="15" dirty="0">
+                <a:latin typeface="Trebuchet MS"/>
+                <a:cs typeface="Trebuchet MS"/>
+              </a:rPr>
+              <a:t> </a:t>
+            </a:r>
+            <a:r>
+              <a:rPr sz="2800" b="1" dirty="0">
+                <a:latin typeface="Trebuchet MS"/>
+                <a:cs typeface="Trebuchet MS"/>
+              </a:rPr>
+              <a:t>Java</a:t>
+            </a:r>
+            <a:r>
+              <a:rPr sz="2800" b="1" spc="5" dirty="0">
+                <a:latin typeface="Trebuchet MS"/>
+                <a:cs typeface="Trebuchet MS"/>
+              </a:rPr>
+              <a:t> </a:t>
+            </a:r>
+            <a:r>
+              <a:rPr sz="2800" b="1" dirty="0">
+                <a:latin typeface="Trebuchet MS"/>
+                <a:cs typeface="Trebuchet MS"/>
+              </a:rPr>
+              <a:t>8	</a:t>
+            </a:r>
+            <a:r>
+              <a:rPr sz="2800" spc="-5" dirty="0">
+                <a:latin typeface="Trebuchet MS"/>
+                <a:cs typeface="Trebuchet MS"/>
+              </a:rPr>
+              <a:t>and part of the</a:t>
+            </a:r>
+            <a:r>
+              <a:rPr sz="2800" spc="-45" dirty="0">
+                <a:latin typeface="Trebuchet MS"/>
+                <a:cs typeface="Trebuchet MS"/>
+              </a:rPr>
+              <a:t> </a:t>
+            </a:r>
+            <a:r>
+              <a:rPr sz="2800" b="1" dirty="0">
+                <a:latin typeface="Trebuchet MS"/>
+                <a:cs typeface="Trebuchet MS"/>
+              </a:rPr>
+              <a:t>java.time.format</a:t>
+            </a:r>
+            <a:endParaRPr sz="2800">
+              <a:latin typeface="Trebuchet MS"/>
+              <a:cs typeface="Trebuchet MS"/>
+            </a:endParaRPr>
+          </a:p>
+          <a:p>
+            <a:pPr marL="241300">
+              <a:lnSpc>
+                <a:spcPts val="3130"/>
+              </a:lnSpc>
+            </a:pPr>
+            <a:r>
+              <a:rPr sz="2800" spc="-5" dirty="0">
+                <a:latin typeface="Trebuchet MS"/>
+                <a:cs typeface="Trebuchet MS"/>
+              </a:rPr>
+              <a:t>package.</a:t>
+            </a:r>
+            <a:endParaRPr sz="2800">
+              <a:latin typeface="Trebuchet MS"/>
+              <a:cs typeface="Trebuchet MS"/>
+            </a:endParaRPr>
+          </a:p>
+          <a:p>
+            <a:pPr>
+              <a:lnSpc>
+                <a:spcPct val="100000"/>
+              </a:lnSpc>
+              <a:spcBef>
+                <a:spcPts val="25"/>
+              </a:spcBef>
+            </a:pPr>
+            <a:endParaRPr sz="3800">
+              <a:latin typeface="Trebuchet MS"/>
+              <a:cs typeface="Trebuchet MS"/>
+            </a:endParaRPr>
+          </a:p>
+          <a:p>
+            <a:pPr marL="241300" indent="-228600">
+              <a:lnSpc>
+                <a:spcPts val="3080"/>
+              </a:lnSpc>
+              <a:buFont typeface="Arial"/>
+              <a:buChar char="•"/>
+              <a:tabLst>
+                <a:tab pos="241300" algn="l"/>
+              </a:tabLst>
+            </a:pPr>
+            <a:r>
+              <a:rPr sz="2800" spc="-5" dirty="0">
+                <a:latin typeface="Trebuchet MS"/>
+                <a:cs typeface="Trebuchet MS"/>
+              </a:rPr>
+              <a:t>Used to parse and format the </a:t>
+            </a:r>
+            <a:r>
+              <a:rPr sz="2800" b="1" spc="-5" dirty="0">
+                <a:latin typeface="Trebuchet MS"/>
+                <a:cs typeface="Trebuchet MS"/>
+              </a:rPr>
+              <a:t>LocalDate</a:t>
+            </a:r>
+            <a:r>
+              <a:rPr sz="2800" spc="-5" dirty="0">
+                <a:latin typeface="Trebuchet MS"/>
+                <a:cs typeface="Trebuchet MS"/>
+              </a:rPr>
+              <a:t>, </a:t>
+            </a:r>
+            <a:r>
+              <a:rPr sz="2800" b="1" spc="-15" dirty="0">
+                <a:latin typeface="Trebuchet MS"/>
+                <a:cs typeface="Trebuchet MS"/>
+              </a:rPr>
+              <a:t>LocalTime</a:t>
+            </a:r>
+            <a:r>
+              <a:rPr sz="2800" b="1" spc="-10" dirty="0">
+                <a:latin typeface="Trebuchet MS"/>
+                <a:cs typeface="Trebuchet MS"/>
+              </a:rPr>
+              <a:t> </a:t>
+            </a:r>
+            <a:r>
+              <a:rPr sz="2800" spc="-5" dirty="0">
+                <a:latin typeface="Trebuchet MS"/>
+                <a:cs typeface="Trebuchet MS"/>
+              </a:rPr>
+              <a:t>and</a:t>
+            </a:r>
+            <a:endParaRPr sz="2800">
+              <a:latin typeface="Trebuchet MS"/>
+              <a:cs typeface="Trebuchet MS"/>
+            </a:endParaRPr>
+          </a:p>
+          <a:p>
+            <a:pPr marL="241300">
+              <a:lnSpc>
+                <a:spcPts val="3080"/>
+              </a:lnSpc>
+            </a:pPr>
+            <a:r>
+              <a:rPr sz="2800" b="1" spc="-15" dirty="0">
+                <a:latin typeface="Trebuchet MS"/>
+                <a:cs typeface="Trebuchet MS"/>
+              </a:rPr>
+              <a:t>LocalDateTime</a:t>
+            </a:r>
+            <a:r>
+              <a:rPr sz="2800" spc="-15" dirty="0">
+                <a:latin typeface="Trebuchet MS"/>
+                <a:cs typeface="Trebuchet MS"/>
+              </a:rPr>
+              <a:t>.</a:t>
+            </a:r>
+            <a:endParaRPr sz="2800">
+              <a:latin typeface="Trebuchet MS"/>
+              <a:cs typeface="Trebuchet MS"/>
+            </a:endParaRPr>
+          </a:p>
+        </p:txBody>
+      </p:sp>
+    </p:spTree>
+  </p:cSld>
+  <p:clrMapOvr>
+    <a:masterClrMapping/>
+  </p:clrMapOvr>
+</p:sld>
+</file>
+
+<file path=ppt/slides/slide91.xml><?xml version="1.0" encoding="utf-8"?>
+<p:sld xmlns:a="http://schemas.openxmlformats.org/drawingml/2006/main" xmlns:r="http://schemas.openxmlformats.org/officeDocument/2006/relationships" xmlns:p="http://schemas.openxmlformats.org/presentationml/2006/main" showMasterSp="0">
+  <p:cSld>
+    <p:spTree>
+      <p:nvGrpSpPr>
+        <p:cNvPr id="1" name=""/>
+        <p:cNvGrpSpPr/>
+        <p:nvPr/>
+      </p:nvGrpSpPr>
+      <p:grpSpPr>
+        <a:xfrm>
+          <a:off x="0" y="0"/>
+          <a:ext cx="0" cy="0"/>
+          <a:chOff x="0" y="0"/>
+          <a:chExt cx="0" cy="0"/>
+        </a:xfrm>
+      </p:grpSpPr>
+      <p:sp>
+        <p:nvSpPr>
+          <p:cNvPr id="2" name="object 2"/>
+          <p:cNvSpPr txBox="1">
+            <a:spLocks noGrp="1"/>
+          </p:cNvSpPr>
+          <p:nvPr>
+            <p:ph type="title"/>
+          </p:nvPr>
+        </p:nvSpPr>
+        <p:spPr>
+          <a:xfrm>
+            <a:off x="876300" y="660400"/>
             <a:ext cx="4568825" cy="695960"/>
           </a:xfrm>
           <a:prstGeom prst="rect">
